--- a/Phishing_URL_detector_naan_mudhalvan_.pptx
+++ b/Phishing_URL_detector_naan_mudhalvan_.pptx
@@ -6432,7 +6432,7 @@
         <p:spPr>
           <a:xfrm>
             <a:off x="2072671" y="3349256"/>
-            <a:ext cx="8046657" cy="2939266"/>
+            <a:ext cx="8046657" cy="3323987"/>
           </a:xfrm>
           <a:prstGeom prst="rect">
             <a:avLst/>
@@ -6481,7 +6481,45 @@
                 <a:latin typeface="Arial"/>
                 <a:cs typeface="Arial"/>
               </a:rPr>
-              <a:t>Name: Raufa Khaja</a:t>
+              <a:t>Name</a:t>
+            </a:r>
+            <a:r>
+              <a:rPr lang="en-US" sz="2500" b="1">
+                <a:solidFill>
+                  <a:schemeClr val="tx2">
+                    <a:lumMod val="60000"/>
+                    <a:lumOff val="40000"/>
+                  </a:schemeClr>
+                </a:solidFill>
+                <a:latin typeface="Arial"/>
+                <a:cs typeface="Arial"/>
+              </a:rPr>
+              <a:t>: Raufa K</a:t>
+            </a:r>
+            <a:endParaRPr lang="en-US" sz="2500" b="1" dirty="0">
+              <a:solidFill>
+                <a:schemeClr val="tx2">
+                  <a:lumMod val="60000"/>
+                  <a:lumOff val="40000"/>
+                </a:schemeClr>
+              </a:solidFill>
+              <a:latin typeface="Arial"/>
+              <a:cs typeface="Arial"/>
+            </a:endParaRPr>
+          </a:p>
+          <a:p>
+            <a:r>
+              <a:rPr lang="en-US" sz="2500" b="1" dirty="0">
+                <a:solidFill>
+                  <a:schemeClr val="tx2">
+                    <a:lumMod val="60000"/>
+                    <a:lumOff val="40000"/>
+                  </a:schemeClr>
+                </a:solidFill>
+                <a:latin typeface="Arial"/>
+                <a:cs typeface="Arial"/>
+              </a:rPr>
+              <a:t>Register Numer:110121104078</a:t>
             </a:r>
           </a:p>
           <a:p>
@@ -9265,21 +9303,21 @@
 </file>
 
 <file path=customXml/item1.xml><?xml version="1.0" encoding="utf-8"?>
+<?mso-contentType ?>
+<FormTemplates xmlns="http://schemas.microsoft.com/sharepoint/v3/contenttype/forms">
+  <Display>DocumentLibraryForm</Display>
+  <Edit>DocumentLibraryForm</Edit>
+  <New>DocumentLibraryForm</New>
+</FormTemplates>
+</file>
+
+<file path=customXml/item2.xml><?xml version="1.0" encoding="utf-8"?>
 <p:properties xmlns:p="http://schemas.microsoft.com/office/2006/metadata/properties" xmlns:xsi="http://www.w3.org/2001/XMLSchema-instance" xmlns:pc="http://schemas.microsoft.com/office/infopath/2007/PartnerControls">
   <documentManagement>
     <MediaServiceKeyPoints xmlns="9162bd5b-4ed9-4da3-b376-05204580ba3f" xsi:nil="true"/>
     <_activity xmlns="9162bd5b-4ed9-4da3-b376-05204580ba3f" xsi:nil="true"/>
   </documentManagement>
 </p:properties>
-</file>
-
-<file path=customXml/item2.xml><?xml version="1.0" encoding="utf-8"?>
-<?mso-contentType ?>
-<FormTemplates xmlns="http://schemas.microsoft.com/sharepoint/v3/contenttype/forms">
-  <Display>DocumentLibraryForm</Display>
-  <Edit>DocumentLibraryForm</Edit>
-  <New>DocumentLibraryForm</New>
-</FormTemplates>
 </file>
 
 <file path=customXml/item3.xml><?xml version="1.0" encoding="utf-8"?>
@@ -9530,6 +9568,14 @@
 </file>
 
 <file path=customXml/itemProps1.xml><?xml version="1.0" encoding="utf-8"?>
+<ds:datastoreItem xmlns:ds="http://schemas.openxmlformats.org/officeDocument/2006/customXml" ds:itemID="{927BD4C1-B6B1-4715-ABF9-E660A51A4EA0}">
+  <ds:schemaRefs>
+    <ds:schemaRef ds:uri="http://schemas.microsoft.com/sharepoint/v3/contenttype/forms"/>
+  </ds:schemaRefs>
+</ds:datastoreItem>
+</file>
+
+<file path=customXml/itemProps2.xml><?xml version="1.0" encoding="utf-8"?>
 <ds:datastoreItem xmlns:ds="http://schemas.openxmlformats.org/officeDocument/2006/customXml" ds:itemID="{8D289AE2-D2AE-49D1-AFAC-3A79F6794255}">
   <ds:schemaRefs>
     <ds:schemaRef ds:uri="9162bd5b-4ed9-4da3-b376-05204580ba3f"/>
@@ -9542,14 +9588,6 @@
     <ds:schemaRef ds:uri="http://schemas.microsoft.com/office/infopath/2007/PartnerControls"/>
     <ds:schemaRef ds:uri="http://schemas.openxmlformats.org/package/2006/metadata/core-properties"/>
     <ds:schemaRef ds:uri="http://www.w3.org/XML/1998/namespace"/>
-  </ds:schemaRefs>
-</ds:datastoreItem>
-</file>
-
-<file path=customXml/itemProps2.xml><?xml version="1.0" encoding="utf-8"?>
-<ds:datastoreItem xmlns:ds="http://schemas.openxmlformats.org/officeDocument/2006/customXml" ds:itemID="{927BD4C1-B6B1-4715-ABF9-E660A51A4EA0}">
-  <ds:schemaRefs>
-    <ds:schemaRef ds:uri="http://schemas.microsoft.com/sharepoint/v3/contenttype/forms"/>
   </ds:schemaRefs>
 </ds:datastoreItem>
 </file>
